--- a/GAB 2016 - Apache Storm.pptx
+++ b/GAB 2016 - Apache Storm.pptx
@@ -423,7 +423,7 @@
           <inkml:trace contextRef="#ctx0" brushRef="#br0" timeOffset="5105.7482">3910 24 0,'49'25'16,"1"-25"0,0 25-16,0 0 31,0-25-31,-1 0 0,1 0 16,-25 0-16,25 0 15,-25 0 1,0 0-16,0 0 0,-1-25 15,26 0 1,-50 0-16,25 25 141</inkml:trace>
           <inkml:trace contextRef="#ctx0" brushRef="#br0" timeOffset="6048.562">4408 224 0,'0'-25'16,"0"0"-16,0-25 0,49 50 16,-24-25 15,0 25 16,0 50-32,0 0-15,0-25 16,0 24 0,0-24-1,-25 0 1,0 0-16,0 0 15,0 0 1,0 0 0,25-25 46,-25 25-46,49-25-16,-49 25 15,25-25-15,-25 25 16,25 0-16,0-25 16,-25-25 156,25 25-157,-25-25-15,25 0 16,-25 0-1,50 0-15</inkml:trace>
           <inkml:trace contextRef="#ctx0" brushRef="#br0" timeOffset="7260.7629">4980 174 0,'-25'0'16,"25"25"31,0-50 15,0 0-46,25 0-16,-25 0 16,0 0-1,0 0 1,0 0-16,-25 25 16,25-24-16,-24 24 31,-1 0-31,0 0 15,-25 24-15,25 1 16,-25 0-16,25 0 16,0-25-1,25 25-15,-24 0 16,24 0 0,0 0-16,0 25 15,24-50-15,-24 24 16,25 26-16,0-25 15,0 0 1,0 0-16,0-25 16,-25 25-16,25 0 15,0-25 1,0 0-16,-25 25 16,25-25 140,-1 0-141,1 0 1,0 0 0,0 0-16,-25-25 140,0 0-124,0-50-16,25 50 16</inkml:trace>
-          <inkml:trace contextRef="#ctx0" brushRef="#br0" timeOffset="9923.3582">5354-75 0,'0'25'16,"-50"25"-16,25-26 16,25 1-16,-25 25 0,25-25 15,-25-25 1,25 25-16,0 0 16,0 0-1,0 0-15,25-25 16,-25 25-16,25-25 15,-25 24-15,50-24 16,-50 25-16,25-25 16,-25-25 62,0-24-78,0 24 15,0 0 1,0 0 0,0 0-1,0-25-15,0 25 16,0 0 15,25 25 110,0 50-141,0 0 15,24 0-15,-49 0 16,25-25-16,0 49 16,-25-49-16,50 25 15,-25 0-15,-25 25 16,50-51-16,-50 1 16,0-50 46,25-49-46,-1 49-16,-24-25 15,0-25 17,25 25-32,-25 1 0,25-1 15,-25 25-15,0-25 16,0 25-1,25 50 64,0-25-79,-25 25 15,25 0-15,0 0 16,-25 0-1,25 0 1,0 0 0,-25-1-16,0 1 15,25 0-15,-25 0 16,25 0-16,-25-75 62,0-24-62,0-26 16,0 50-16,0 25 16,0 50 31,24-25-32,-24 25-15,25-25 0,0 25 16,-25 0-16,25 25 15,0-25-15,-25-1 16,25 1-16,-25 0 78,25-124-47,0 99 1,0 0-1,-25 25-31,25-25 16,-25 24-16,24-24 15,1 25-15,0 0 16,-25 0-1,25-25-15,-25 25 16,25-25 0,0 25-16,0-25 15,-25 25 1,25-25-16,0 0 31,0-50-31,-25-25 16,24 26-16,1 49 78,0 0-47,-25 24-31,25 1 16,0-25-16,-25 25 15,0-75 95,0 1-110,0 24 15,0 0-15</inkml:trace>
+          <inkml:trace contextRef="#ctx0" brushRef="#br0" timeOffset="9923.3581">5354-75 0,'0'25'16,"-50"25"-16,25-26 16,25 1-16,-25 25 0,25-25 15,-25-25 1,25 25-16,0 0 16,0 0-1,0 0-15,25-25 16,-25 25-16,25-25 15,-25 24-15,50-24 16,-50 25-16,25-25 16,-25-25 62,0-24-78,0 24 15,0 0 1,0 0 0,0 0-1,0-25-15,0 25 16,0 0 15,25 25 110,0 50-141,0 0 15,24 0-15,-49 0 16,25-25-16,0 49 16,-25-49-16,50 25 15,-25 0-15,-25 25 16,50-51-16,-50 1 16,0-50 46,25-49-46,-1 49-16,-24-25 15,0-25 17,25 25-32,-25 1 0,25-1 15,-25 25-15,0-25 16,0 25-1,25 50 64,0-25-79,-25 25 15,25 0-15,0 0 16,-25 0-1,25 0 1,0 0 0,-25-1-16,0 1 15,25 0-15,-25 0 16,25 0-16,-25-75 62,0-24-62,0-26 16,0 50-16,0 25 16,0 50 31,24-25-32,-24 25-15,25-25 0,0 25 16,-25 0-16,25 25 15,0-25-15,-25-1 16,25 1-16,-25 0 78,25-124-47,0 99 1,0 0-1,-25 25-31,25-25 16,-25 24-16,24-24 15,1 25-15,0 0 16,-25 0-1,25-25-15,-25 25 16,25-25 0,0 25-16,0-25 15,-25 25 1,25-25-16,0 0 31,0-50-31,-25-25 16,24 26-16,1 49 78,0 0-47,-25 24-31,25 1 16,0-25-16,-25 25 15,0-75 95,0 1-110,0 24 15,0 0-15</inkml:trace>
           <inkml:trace contextRef="#ctx0" brushRef="#br0" timeOffset="10308.0518">6400-175 0,'0'25'16,"0"0"-1,0 0 64,25-25-64,-25 25 1,25-25-16,-1 0 15</inkml:trace>
           <inkml:trace contextRef="#ctx0" brushRef="#br0" timeOffset="11277.2526">6997 74 0,'0'25'15,"0"25"-15,0 0 16,25 0 0,-25-1-16,25 26 0,-25-25 15,0 0 1,0-25 0,0 0-16,0-100 93,0 0-61,0 0-32,0 50 0,0 1 15,0-1 1,25 25 46,25 25-62,0-25 16,-50 24-16,25-24 16,0 25-16,-1 0 15,1 0 79,0 0-78,0-25 77,25-75-77,25 26-16,-75-1 16,25 25-16,-25-25 15</inkml:trace>
           <inkml:trace contextRef="#ctx0" brushRef="#br0" timeOffset="12209.7318">7894-75 0,'-25'0'32,"0"0"30,0 25-46,-25 25-16,25-1 15,-24 1-15,49 0 16,-25 0-16,25 0 16,0-1-1,25-24-15,24 0 16,1 0-1,0 0-15,0-25 16,0 50-16,-1-50 16,-49 25-16,50 0 15,0 49-15,0-24 32,25 0-32,-26 0 0,-24 0 15,0-1-15,-25-24 16,0 50-16,0-50 15,-75 0-15,26 0 16,24-25-16,0 0 16,-25 0-16,25 0 15,-25 0-15,1-25 0,-1-25 16,0-25-16,0 75 16,0-50-16,25 1 15,25-26-15,0-50 16,50-49-1,50 0-15,49-1 16,1 26 0,24 0-16,50-1 15,100 26-15,-75-1 16,-125 51-16,-24 49 16,-50 25-16,-25 0 15,0 0-15,-1 0 16,-24 25-1,0 24-15,25 1 0,0-25 16,-25 0-16</inkml:trace>
@@ -516,7 +516,7 @@
           <a:p>
             <a:fld id="{EC13577B-6902-467D-A26C-08A0DD5E4E03}" type="datetimeFigureOut">
               <a:rPr lang="en-US" smtClean="0"/>
-              <a:t>4/12/2016</a:t>
+              <a:t>4/15/2016</a:t>
             </a:fld>
             <a:endParaRPr lang="en-US"/>
           </a:p>
@@ -9088,7 +9088,7 @@
           <a:p>
             <a:fld id="{8BEEBAAA-29B5-4AF5-BC5F-7E580C29002D}" type="datetimeFigureOut">
               <a:rPr lang="en-US" smtClean="0"/>
-              <a:t>4/12/2016</a:t>
+              <a:t>4/15/2016</a:t>
             </a:fld>
             <a:endParaRPr lang="en-US"/>
           </a:p>
@@ -13166,6 +13166,34 @@
           </a:prstGeom>
         </p:spPr>
       </p:pic>
+      <p:sp>
+        <p:nvSpPr>
+          <p:cNvPr id="2" name="Rectangle 1"/>
+          <p:cNvSpPr/>
+          <p:nvPr/>
+        </p:nvSpPr>
+        <p:spPr>
+          <a:xfrm>
+            <a:off x="807329" y="3880689"/>
+            <a:ext cx="5759141" cy="369332"/>
+          </a:xfrm>
+          <a:prstGeom prst="rect">
+            <a:avLst/>
+          </a:prstGeom>
+        </p:spPr>
+        <p:txBody>
+          <a:bodyPr wrap="none">
+            <a:spAutoFit/>
+          </a:bodyPr>
+          <a:lstStyle/>
+          <a:p>
+            <a:r>
+              <a:rPr lang="en-US" dirty="0"/>
+              <a:t>https://github.com/unaizorrilla/GlobalAzureBootcamp2016</a:t>
+            </a:r>
+          </a:p>
+        </p:txBody>
+      </p:sp>
     </p:spTree>
     <p:extLst>
       <p:ext uri="{BB962C8B-B14F-4D97-AF65-F5344CB8AC3E}">
